--- a/PowerPoint/themes/theme1/basic.pptx
+++ b/PowerPoint/themes/theme1/basic.pptx
@@ -7,7 +7,7 @@
   <p:sldIdLst>
     <p:sldId id="256" r:id="rId2"/>
   </p:sldIdLst>
-  <p:sldSz cx="9144000" cy="6858000" type="screen4x3"/>
+  <p:sldSz cx="9144000" cy="5143500" type="screen16x9"/>
   <p:notesSz cx="6858000" cy="9144000"/>
   <p:defaultTextStyle>
     <a:defPPr>
@@ -106,7 +106,7 @@
   </p:defaultTextStyle>
   <p:extLst>
     <p:ext uri="{EFAFB233-063F-42B5-8137-9DF3F51BA10A}">
-      <p15:sldGuideLst xmlns:p15="http://schemas.microsoft.com/office/powerpoint/2012/main">
+      <p15:sldGuideLst xmlns:p15="http://schemas.microsoft.com/office/powerpoint/2012/main" xmlns="">
         <p15:guide id="1" orient="horz" pos="2160">
           <p15:clr>
             <a:srgbClr val="A4A3A4"/>
@@ -152,8 +152,8 @@
         </p:nvSpPr>
         <p:spPr>
           <a:xfrm>
-            <a:off x="802776" y="3140968"/>
-            <a:ext cx="7495760" cy="1152128"/>
+            <a:off x="802776" y="2355726"/>
+            <a:ext cx="7495760" cy="864096"/>
           </a:xfrm>
           <a:noFill/>
         </p:spPr>
@@ -187,8 +187,8 @@
         </p:nvSpPr>
         <p:spPr>
           <a:xfrm>
-            <a:off x="1532605" y="4437112"/>
-            <a:ext cx="6061240" cy="1008112"/>
+            <a:off x="1532605" y="3327834"/>
+            <a:ext cx="6061240" cy="756084"/>
           </a:xfrm>
         </p:spPr>
         <p:txBody>
@@ -313,7 +313,7 @@
           <a:p>
             <a:fld id="{51E84241-D031-42DE-84E4-CC10C30232F4}" type="datetimeFigureOut">
               <a:rPr lang="ru-RU" smtClean="0"/>
-              <a:t>04.12.2012</a:t>
+              <a:t>22.10.2013</a:t>
             </a:fld>
             <a:endParaRPr lang="ru-RU"/>
           </a:p>
@@ -370,8 +370,8 @@
         </p:nvGrpSpPr>
         <p:grpSpPr>
           <a:xfrm>
-            <a:off x="-16505" y="-7443"/>
-            <a:ext cx="9160506" cy="1742780"/>
+            <a:off x="-16505" y="-5582"/>
+            <a:ext cx="9160506" cy="1307085"/>
             <a:chOff x="4150862" y="1653688"/>
             <a:chExt cx="4317345" cy="866636"/>
           </a:xfrm>
@@ -1794,8 +1794,8 @@
         </p:nvGrpSpPr>
         <p:grpSpPr>
           <a:xfrm>
-            <a:off x="0" y="6597352"/>
-            <a:ext cx="9143999" cy="290796"/>
+            <a:off x="1" y="4948014"/>
+            <a:ext cx="9143999" cy="218097"/>
             <a:chOff x="-16505" y="6597352"/>
             <a:chExt cx="4890342" cy="290796"/>
           </a:xfrm>
@@ -2503,7 +2503,7 @@
           <a:p>
             <a:fld id="{51E84241-D031-42DE-84E4-CC10C30232F4}" type="datetimeFigureOut">
               <a:rPr lang="ru-RU" smtClean="0"/>
-              <a:t>04.12.2012</a:t>
+              <a:t>22.10.2013</a:t>
             </a:fld>
             <a:endParaRPr lang="ru-RU"/>
           </a:p>
@@ -2594,8 +2594,8 @@
         </p:nvSpPr>
         <p:spPr>
           <a:xfrm>
-            <a:off x="6629400" y="980729"/>
-            <a:ext cx="2057400" cy="5040560"/>
+            <a:off x="6629400" y="735547"/>
+            <a:ext cx="2057400" cy="3780420"/>
           </a:xfrm>
         </p:spPr>
         <p:txBody>
@@ -2626,8 +2626,8 @@
         </p:nvSpPr>
         <p:spPr>
           <a:xfrm>
-            <a:off x="457200" y="980727"/>
-            <a:ext cx="6019800" cy="5040561"/>
+            <a:off x="457200" y="735546"/>
+            <a:ext cx="6019800" cy="3780421"/>
           </a:xfrm>
         </p:spPr>
         <p:txBody>
@@ -2688,7 +2688,7 @@
           <a:p>
             <a:fld id="{51E84241-D031-42DE-84E4-CC10C30232F4}" type="datetimeFigureOut">
               <a:rPr lang="ru-RU" smtClean="0"/>
-              <a:t>04.12.2012</a:t>
+              <a:t>22.10.2013</a:t>
             </a:fld>
             <a:endParaRPr lang="ru-RU"/>
           </a:p>
@@ -2884,8 +2884,8 @@
         </p:nvSpPr>
         <p:spPr>
           <a:xfrm>
-            <a:off x="467544" y="980728"/>
-            <a:ext cx="8208912" cy="1002035"/>
+            <a:off x="467544" y="735547"/>
+            <a:ext cx="8208912" cy="751526"/>
           </a:xfrm>
           <a:noFill/>
         </p:spPr>
@@ -2917,8 +2917,8 @@
         </p:nvSpPr>
         <p:spPr>
           <a:xfrm>
-            <a:off x="467544" y="2060848"/>
-            <a:ext cx="8208912" cy="3960440"/>
+            <a:off x="467544" y="1545636"/>
+            <a:ext cx="8208912" cy="2970330"/>
           </a:xfrm>
         </p:spPr>
         <p:txBody>
@@ -3041,7 +3041,7 @@
           <a:p>
             <a:fld id="{51E84241-D031-42DE-84E4-CC10C30232F4}" type="datetimeFigureOut">
               <a:rPr lang="ru-RU" smtClean="0"/>
-              <a:t>04.12.2012</a:t>
+              <a:t>22.10.2013</a:t>
             </a:fld>
             <a:endParaRPr lang="ru-RU"/>
           </a:p>
@@ -3132,8 +3132,8 @@
         </p:nvSpPr>
         <p:spPr>
           <a:xfrm>
-            <a:off x="457200" y="1423317"/>
-            <a:ext cx="4038600" cy="4525963"/>
+            <a:off x="457200" y="1067488"/>
+            <a:ext cx="4038600" cy="3394472"/>
           </a:xfrm>
         </p:spPr>
         <p:txBody>
@@ -3217,8 +3217,8 @@
         </p:nvSpPr>
         <p:spPr>
           <a:xfrm>
-            <a:off x="4648200" y="1423317"/>
-            <a:ext cx="4038600" cy="4525963"/>
+            <a:off x="4648200" y="1067488"/>
+            <a:ext cx="4038600" cy="3394472"/>
           </a:xfrm>
         </p:spPr>
         <p:txBody>
@@ -3307,7 +3307,7 @@
           <a:p>
             <a:fld id="{51E84241-D031-42DE-84E4-CC10C30232F4}" type="datetimeFigureOut">
               <a:rPr lang="ru-RU" smtClean="0"/>
-              <a:t>04.12.2012</a:t>
+              <a:t>22.10.2013</a:t>
             </a:fld>
             <a:endParaRPr lang="ru-RU"/>
           </a:p>
@@ -3421,8 +3421,8 @@
         </p:nvSpPr>
         <p:spPr>
           <a:xfrm>
-            <a:off x="457200" y="1412776"/>
-            <a:ext cx="4040188" cy="639762"/>
+            <a:off x="457200" y="1059582"/>
+            <a:ext cx="4040188" cy="479822"/>
           </a:xfrm>
         </p:spPr>
         <p:txBody>
@@ -3486,8 +3486,8 @@
         </p:nvSpPr>
         <p:spPr>
           <a:xfrm>
-            <a:off x="457200" y="2052538"/>
-            <a:ext cx="4040188" cy="3951288"/>
+            <a:off x="457200" y="1539404"/>
+            <a:ext cx="4040188" cy="2963466"/>
           </a:xfrm>
         </p:spPr>
         <p:txBody>
@@ -3571,8 +3571,8 @@
         </p:nvSpPr>
         <p:spPr>
           <a:xfrm>
-            <a:off x="4645025" y="1412776"/>
-            <a:ext cx="4041775" cy="639762"/>
+            <a:off x="4645026" y="1059582"/>
+            <a:ext cx="4041775" cy="479822"/>
           </a:xfrm>
         </p:spPr>
         <p:txBody>
@@ -3636,8 +3636,8 @@
         </p:nvSpPr>
         <p:spPr>
           <a:xfrm>
-            <a:off x="4645025" y="2052538"/>
-            <a:ext cx="4041775" cy="3951288"/>
+            <a:off x="4645026" y="1539404"/>
+            <a:ext cx="4041775" cy="2963466"/>
           </a:xfrm>
         </p:spPr>
         <p:txBody>
@@ -3726,7 +3726,7 @@
           <a:p>
             <a:fld id="{51E84241-D031-42DE-84E4-CC10C30232F4}" type="datetimeFigureOut">
               <a:rPr lang="ru-RU" smtClean="0"/>
-              <a:t>04.12.2012</a:t>
+              <a:t>22.10.2013</a:t>
             </a:fld>
             <a:endParaRPr lang="ru-RU"/>
           </a:p>
@@ -3868,7 +3868,7 @@
           <a:p>
             <a:fld id="{51E84241-D031-42DE-84E4-CC10C30232F4}" type="datetimeFigureOut">
               <a:rPr lang="ru-RU" smtClean="0"/>
-              <a:t>04.12.2012</a:t>
+              <a:t>22.10.2013</a:t>
             </a:fld>
             <a:endParaRPr lang="ru-RU"/>
           </a:p>
@@ -3964,7 +3964,7 @@
           <a:p>
             <a:fld id="{51E84241-D031-42DE-84E4-CC10C30232F4}" type="datetimeFigureOut">
               <a:rPr lang="ru-RU" smtClean="0"/>
-              <a:t>04.12.2012</a:t>
+              <a:t>22.10.2013</a:t>
             </a:fld>
             <a:endParaRPr lang="ru-RU" dirty="0"/>
           </a:p>
@@ -4055,8 +4055,8 @@
         </p:nvSpPr>
         <p:spPr>
           <a:xfrm>
-            <a:off x="3635896" y="1196753"/>
-            <a:ext cx="5112568" cy="4824536"/>
+            <a:off x="3635896" y="897565"/>
+            <a:ext cx="5112568" cy="3618402"/>
           </a:xfrm>
         </p:spPr>
         <p:txBody>
@@ -4142,8 +4142,8 @@
         </p:nvSpPr>
         <p:spPr>
           <a:xfrm>
-            <a:off x="467544" y="1196753"/>
-            <a:ext cx="3008313" cy="4824536"/>
+            <a:off x="467545" y="897565"/>
+            <a:ext cx="3008313" cy="3618402"/>
           </a:xfrm>
         </p:spPr>
         <p:txBody>
@@ -4220,7 +4220,7 @@
           <a:p>
             <a:fld id="{51E84241-D031-42DE-84E4-CC10C30232F4}" type="datetimeFigureOut">
               <a:rPr lang="ru-RU" smtClean="0"/>
-              <a:t>04.12.2012</a:t>
+              <a:t>22.10.2013</a:t>
             </a:fld>
             <a:endParaRPr lang="ru-RU"/>
           </a:p>
@@ -4333,8 +4333,8 @@
         </p:nvSpPr>
         <p:spPr>
           <a:xfrm>
-            <a:off x="1792288" y="4797152"/>
-            <a:ext cx="5486400" cy="576064"/>
+            <a:off x="1792288" y="3597864"/>
+            <a:ext cx="5486400" cy="432048"/>
           </a:xfrm>
         </p:spPr>
         <p:txBody>
@@ -4365,8 +4365,8 @@
         </p:nvSpPr>
         <p:spPr>
           <a:xfrm>
-            <a:off x="1792288" y="1196752"/>
-            <a:ext cx="5486400" cy="3528392"/>
+            <a:off x="1792288" y="897564"/>
+            <a:ext cx="5486400" cy="2646294"/>
           </a:xfrm>
         </p:spPr>
         <p:txBody>
@@ -4430,8 +4430,8 @@
         </p:nvSpPr>
         <p:spPr>
           <a:xfrm>
-            <a:off x="1792288" y="5445224"/>
-            <a:ext cx="5486400" cy="502969"/>
+            <a:off x="1792288" y="4083918"/>
+            <a:ext cx="5486400" cy="377227"/>
           </a:xfrm>
         </p:spPr>
         <p:txBody>
@@ -4500,7 +4500,7 @@
           <a:p>
             <a:fld id="{51E84241-D031-42DE-84E4-CC10C30232F4}" type="datetimeFigureOut">
               <a:rPr lang="ru-RU" smtClean="0"/>
-              <a:t>04.12.2012</a:t>
+              <a:t>22.10.2013</a:t>
             </a:fld>
             <a:endParaRPr lang="ru-RU"/>
           </a:p>
@@ -4592,8 +4592,8 @@
         </p:nvSpPr>
         <p:spPr>
           <a:xfrm>
-            <a:off x="569306" y="-8406"/>
-            <a:ext cx="858435" cy="864000"/>
+            <a:off x="569307" y="-6305"/>
+            <a:ext cx="858435" cy="648000"/>
           </a:xfrm>
           <a:prstGeom prst="rect">
             <a:avLst/>
@@ -4614,8 +4614,8 @@
         </p:nvSpPr>
         <p:spPr>
           <a:xfrm>
-            <a:off x="0" y="-5610"/>
-            <a:ext cx="574091" cy="864000"/>
+            <a:off x="1" y="-4208"/>
+            <a:ext cx="574091" cy="648000"/>
           </a:xfrm>
           <a:prstGeom prst="rect">
             <a:avLst/>
@@ -4636,8 +4636,8 @@
         </p:nvGrpSpPr>
         <p:grpSpPr>
           <a:xfrm>
-            <a:off x="1" y="-8406"/>
-            <a:ext cx="9149369" cy="867599"/>
+            <a:off x="2" y="-6304"/>
+            <a:ext cx="9149369" cy="650699"/>
             <a:chOff x="1" y="-8406"/>
             <a:chExt cx="9149369" cy="867599"/>
           </a:xfrm>
@@ -7601,8 +7601,8 @@
         </p:nvSpPr>
         <p:spPr>
           <a:xfrm>
-            <a:off x="8287086" y="6600570"/>
-            <a:ext cx="858118" cy="255075"/>
+            <a:off x="8287086" y="4950428"/>
+            <a:ext cx="858118" cy="191306"/>
           </a:xfrm>
           <a:prstGeom prst="rect">
             <a:avLst/>
@@ -7623,8 +7623,8 @@
         </p:nvSpPr>
         <p:spPr>
           <a:xfrm>
-            <a:off x="8290018" y="6594997"/>
-            <a:ext cx="286039" cy="257431"/>
+            <a:off x="8290019" y="4946248"/>
+            <a:ext cx="286039" cy="193073"/>
           </a:xfrm>
           <a:prstGeom prst="rect">
             <a:avLst/>
@@ -7649,8 +7649,8 @@
         </p:nvSpPr>
         <p:spPr>
           <a:xfrm>
-            <a:off x="8574701" y="6600570"/>
-            <a:ext cx="286039" cy="257431"/>
+            <a:off x="8574702" y="4950428"/>
+            <a:ext cx="286039" cy="193073"/>
           </a:xfrm>
           <a:prstGeom prst="rect">
             <a:avLst/>
@@ -7675,8 +7675,8 @@
         </p:nvSpPr>
         <p:spPr>
           <a:xfrm>
-            <a:off x="8859953" y="6600570"/>
-            <a:ext cx="286039" cy="257431"/>
+            <a:off x="8859954" y="4950428"/>
+            <a:ext cx="286039" cy="193073"/>
           </a:xfrm>
           <a:prstGeom prst="rect">
             <a:avLst/>
@@ -7701,8 +7701,8 @@
         </p:nvSpPr>
         <p:spPr>
           <a:xfrm>
-            <a:off x="7428968" y="6598214"/>
-            <a:ext cx="858118" cy="255075"/>
+            <a:off x="7428968" y="4948661"/>
+            <a:ext cx="858118" cy="191306"/>
           </a:xfrm>
           <a:prstGeom prst="rect">
             <a:avLst/>
@@ -7723,8 +7723,8 @@
         </p:nvSpPr>
         <p:spPr>
           <a:xfrm>
-            <a:off x="7431900" y="6598214"/>
-            <a:ext cx="286039" cy="257431"/>
+            <a:off x="7431900" y="4948661"/>
+            <a:ext cx="286039" cy="193073"/>
           </a:xfrm>
           <a:prstGeom prst="rect">
             <a:avLst/>
@@ -7749,8 +7749,8 @@
         </p:nvSpPr>
         <p:spPr>
           <a:xfrm>
-            <a:off x="7717152" y="6681515"/>
-            <a:ext cx="286039" cy="257431"/>
+            <a:off x="7717153" y="5011137"/>
+            <a:ext cx="286039" cy="193073"/>
           </a:xfrm>
           <a:prstGeom prst="rect">
             <a:avLst/>
@@ -7775,8 +7775,8 @@
         </p:nvSpPr>
         <p:spPr>
           <a:xfrm>
-            <a:off x="8001835" y="6598214"/>
-            <a:ext cx="286039" cy="257431"/>
+            <a:off x="8001836" y="4948661"/>
+            <a:ext cx="286039" cy="193073"/>
           </a:xfrm>
           <a:prstGeom prst="rect">
             <a:avLst/>
@@ -7801,8 +7801,8 @@
         </p:nvSpPr>
         <p:spPr>
           <a:xfrm>
-            <a:off x="6570063" y="6600570"/>
-            <a:ext cx="858118" cy="255075"/>
+            <a:off x="6570063" y="4950428"/>
+            <a:ext cx="858118" cy="191306"/>
           </a:xfrm>
           <a:prstGeom prst="rect">
             <a:avLst/>
@@ -7823,8 +7823,8 @@
         </p:nvSpPr>
         <p:spPr>
           <a:xfrm>
-            <a:off x="6572995" y="6594997"/>
-            <a:ext cx="286039" cy="257431"/>
+            <a:off x="6572996" y="4946248"/>
+            <a:ext cx="286039" cy="193073"/>
           </a:xfrm>
           <a:prstGeom prst="rect">
             <a:avLst/>
@@ -7848,8 +7848,8 @@
         </p:nvSpPr>
         <p:spPr>
           <a:xfrm>
-            <a:off x="6863031" y="6594997"/>
-            <a:ext cx="286039" cy="257431"/>
+            <a:off x="6863032" y="4946248"/>
+            <a:ext cx="286039" cy="193073"/>
           </a:xfrm>
           <a:prstGeom prst="rect">
             <a:avLst/>
@@ -7874,8 +7874,8 @@
         </p:nvSpPr>
         <p:spPr>
           <a:xfrm>
-            <a:off x="7141077" y="6597035"/>
-            <a:ext cx="286039" cy="257431"/>
+            <a:off x="7141078" y="4947777"/>
+            <a:ext cx="286039" cy="193073"/>
           </a:xfrm>
           <a:prstGeom prst="rect">
             <a:avLst/>
@@ -7900,8 +7900,8 @@
         </p:nvSpPr>
         <p:spPr>
           <a:xfrm>
-            <a:off x="5713784" y="6598214"/>
-            <a:ext cx="858118" cy="255075"/>
+            <a:off x="5713784" y="4948661"/>
+            <a:ext cx="858118" cy="191306"/>
           </a:xfrm>
           <a:prstGeom prst="rect">
             <a:avLst/>
@@ -7922,8 +7922,8 @@
         </p:nvSpPr>
         <p:spPr>
           <a:xfrm>
-            <a:off x="5716716" y="6598214"/>
-            <a:ext cx="286039" cy="257431"/>
+            <a:off x="5716717" y="4948661"/>
+            <a:ext cx="286039" cy="193073"/>
           </a:xfrm>
           <a:prstGeom prst="rect">
             <a:avLst/>
@@ -7948,8 +7948,8 @@
         </p:nvSpPr>
         <p:spPr>
           <a:xfrm>
-            <a:off x="6001399" y="6598214"/>
-            <a:ext cx="286039" cy="257431"/>
+            <a:off x="6001400" y="4948661"/>
+            <a:ext cx="286039" cy="193073"/>
           </a:xfrm>
           <a:prstGeom prst="rect">
             <a:avLst/>
@@ -7974,8 +7974,8 @@
         </p:nvSpPr>
         <p:spPr>
           <a:xfrm>
-            <a:off x="6286650" y="6598214"/>
-            <a:ext cx="286039" cy="257431"/>
+            <a:off x="6286651" y="4948661"/>
+            <a:ext cx="286039" cy="193073"/>
           </a:xfrm>
           <a:prstGeom prst="rect">
             <a:avLst/>
@@ -8000,8 +8000,8 @@
         </p:nvSpPr>
         <p:spPr>
           <a:xfrm>
-            <a:off x="4858039" y="6598214"/>
-            <a:ext cx="858118" cy="255075"/>
+            <a:off x="4858039" y="4948661"/>
+            <a:ext cx="858118" cy="191306"/>
           </a:xfrm>
           <a:prstGeom prst="rect">
             <a:avLst/>
@@ -8022,8 +8022,8 @@
         </p:nvSpPr>
         <p:spPr>
           <a:xfrm>
-            <a:off x="4860971" y="6598214"/>
-            <a:ext cx="286039" cy="257431"/>
+            <a:off x="4860972" y="4948661"/>
+            <a:ext cx="286039" cy="193073"/>
           </a:xfrm>
           <a:prstGeom prst="rect">
             <a:avLst/>
@@ -8048,8 +8048,8 @@
         </p:nvSpPr>
         <p:spPr>
           <a:xfrm>
-            <a:off x="5145653" y="6598214"/>
-            <a:ext cx="286039" cy="257431"/>
+            <a:off x="5145654" y="4948661"/>
+            <a:ext cx="286039" cy="193073"/>
           </a:xfrm>
           <a:prstGeom prst="rect">
             <a:avLst/>
@@ -8074,8 +8074,8 @@
         </p:nvSpPr>
         <p:spPr>
           <a:xfrm>
-            <a:off x="5430905" y="6598214"/>
-            <a:ext cx="286039" cy="257431"/>
+            <a:off x="5430906" y="4948661"/>
+            <a:ext cx="286039" cy="193073"/>
           </a:xfrm>
           <a:prstGeom prst="rect">
             <a:avLst/>
@@ -8100,8 +8100,8 @@
         </p:nvSpPr>
         <p:spPr>
           <a:xfrm>
-            <a:off x="3998143" y="6599709"/>
-            <a:ext cx="858118" cy="255075"/>
+            <a:off x="3998143" y="4949782"/>
+            <a:ext cx="858118" cy="191306"/>
           </a:xfrm>
           <a:prstGeom prst="rect">
             <a:avLst/>
@@ -8122,8 +8122,8 @@
         </p:nvSpPr>
         <p:spPr>
           <a:xfrm>
-            <a:off x="4001075" y="6599709"/>
-            <a:ext cx="286039" cy="257431"/>
+            <a:off x="4001076" y="4949782"/>
+            <a:ext cx="286039" cy="193073"/>
           </a:xfrm>
           <a:prstGeom prst="rect">
             <a:avLst/>
@@ -8148,8 +8148,8 @@
         </p:nvSpPr>
         <p:spPr>
           <a:xfrm>
-            <a:off x="4285757" y="6599709"/>
-            <a:ext cx="286039" cy="257431"/>
+            <a:off x="4285758" y="4949782"/>
+            <a:ext cx="286039" cy="193073"/>
           </a:xfrm>
           <a:prstGeom prst="rect">
             <a:avLst/>
@@ -8174,8 +8174,8 @@
         </p:nvSpPr>
         <p:spPr>
           <a:xfrm>
-            <a:off x="4571009" y="6599709"/>
-            <a:ext cx="286039" cy="257431"/>
+            <a:off x="4571010" y="4949782"/>
+            <a:ext cx="286039" cy="193073"/>
           </a:xfrm>
           <a:prstGeom prst="rect">
             <a:avLst/>
@@ -8200,8 +8200,8 @@
         </p:nvSpPr>
         <p:spPr>
           <a:xfrm>
-            <a:off x="3140025" y="6597353"/>
-            <a:ext cx="858118" cy="255075"/>
+            <a:off x="3140025" y="4948015"/>
+            <a:ext cx="858118" cy="191306"/>
           </a:xfrm>
           <a:prstGeom prst="rect">
             <a:avLst/>
@@ -8222,8 +8222,8 @@
         </p:nvSpPr>
         <p:spPr>
           <a:xfrm>
-            <a:off x="3142957" y="6597353"/>
-            <a:ext cx="286039" cy="257431"/>
+            <a:off x="3142958" y="4948015"/>
+            <a:ext cx="286039" cy="193073"/>
           </a:xfrm>
           <a:prstGeom prst="rect">
             <a:avLst/>
@@ -8248,8 +8248,8 @@
         </p:nvSpPr>
         <p:spPr>
           <a:xfrm>
-            <a:off x="3427639" y="6597353"/>
-            <a:ext cx="286039" cy="257431"/>
+            <a:off x="3427640" y="4948015"/>
+            <a:ext cx="286039" cy="193073"/>
           </a:xfrm>
           <a:prstGeom prst="rect">
             <a:avLst/>
@@ -8274,8 +8274,8 @@
         </p:nvSpPr>
         <p:spPr>
           <a:xfrm>
-            <a:off x="3712891" y="6597353"/>
-            <a:ext cx="286039" cy="257431"/>
+            <a:off x="3712892" y="4948015"/>
+            <a:ext cx="286039" cy="193073"/>
           </a:xfrm>
           <a:prstGeom prst="rect">
             <a:avLst/>
@@ -8300,8 +8300,8 @@
         </p:nvSpPr>
         <p:spPr>
           <a:xfrm>
-            <a:off x="2281119" y="6599709"/>
-            <a:ext cx="858118" cy="255075"/>
+            <a:off x="2281119" y="4949782"/>
+            <a:ext cx="858118" cy="191306"/>
           </a:xfrm>
           <a:prstGeom prst="rect">
             <a:avLst/>
@@ -8322,8 +8322,8 @@
         </p:nvSpPr>
         <p:spPr>
           <a:xfrm>
-            <a:off x="2284051" y="6599709"/>
-            <a:ext cx="286039" cy="257431"/>
+            <a:off x="2284052" y="4949782"/>
+            <a:ext cx="286039" cy="193073"/>
           </a:xfrm>
           <a:prstGeom prst="rect">
             <a:avLst/>
@@ -8347,8 +8347,8 @@
         </p:nvSpPr>
         <p:spPr>
           <a:xfrm>
-            <a:off x="2568734" y="6599709"/>
-            <a:ext cx="286039" cy="257431"/>
+            <a:off x="2568735" y="4949782"/>
+            <a:ext cx="286039" cy="193073"/>
           </a:xfrm>
           <a:prstGeom prst="rect">
             <a:avLst/>
@@ -8373,8 +8373,8 @@
         </p:nvSpPr>
         <p:spPr>
           <a:xfrm>
-            <a:off x="2853985" y="6599709"/>
-            <a:ext cx="286039" cy="257431"/>
+            <a:off x="2853986" y="4949782"/>
+            <a:ext cx="286039" cy="193073"/>
           </a:xfrm>
           <a:prstGeom prst="rect">
             <a:avLst/>
@@ -8399,8 +8399,8 @@
         </p:nvSpPr>
         <p:spPr>
           <a:xfrm>
-            <a:off x="1424840" y="6597353"/>
-            <a:ext cx="858118" cy="255075"/>
+            <a:off x="1424840" y="4948015"/>
+            <a:ext cx="858118" cy="191306"/>
           </a:xfrm>
           <a:prstGeom prst="rect">
             <a:avLst/>
@@ -8421,8 +8421,8 @@
         </p:nvSpPr>
         <p:spPr>
           <a:xfrm>
-            <a:off x="1427772" y="6597353"/>
-            <a:ext cx="286039" cy="257431"/>
+            <a:off x="1427773" y="4948015"/>
+            <a:ext cx="286039" cy="193073"/>
           </a:xfrm>
           <a:prstGeom prst="rect">
             <a:avLst/>
@@ -8447,8 +8447,8 @@
         </p:nvSpPr>
         <p:spPr>
           <a:xfrm>
-            <a:off x="1712455" y="6597353"/>
-            <a:ext cx="286039" cy="257431"/>
+            <a:off x="1712456" y="4948015"/>
+            <a:ext cx="286039" cy="193073"/>
           </a:xfrm>
           <a:prstGeom prst="rect">
             <a:avLst/>
@@ -8473,8 +8473,8 @@
         </p:nvSpPr>
         <p:spPr>
           <a:xfrm>
-            <a:off x="1997707" y="6597353"/>
-            <a:ext cx="286039" cy="257431"/>
+            <a:off x="1997708" y="4948015"/>
+            <a:ext cx="286039" cy="193073"/>
           </a:xfrm>
           <a:prstGeom prst="rect">
             <a:avLst/>
@@ -8499,8 +8499,8 @@
         </p:nvSpPr>
         <p:spPr>
           <a:xfrm>
-            <a:off x="569095" y="6597353"/>
-            <a:ext cx="858118" cy="257431"/>
+            <a:off x="569095" y="4948015"/>
+            <a:ext cx="858118" cy="193073"/>
           </a:xfrm>
           <a:prstGeom prst="rect">
             <a:avLst/>
@@ -8521,8 +8521,8 @@
         </p:nvSpPr>
         <p:spPr>
           <a:xfrm>
-            <a:off x="572027" y="6597353"/>
-            <a:ext cx="286039" cy="257431"/>
+            <a:off x="572028" y="4948015"/>
+            <a:ext cx="286039" cy="193073"/>
           </a:xfrm>
           <a:prstGeom prst="rect">
             <a:avLst/>
@@ -8547,8 +8547,8 @@
         </p:nvSpPr>
         <p:spPr>
           <a:xfrm>
-            <a:off x="856710" y="6597353"/>
-            <a:ext cx="286039" cy="257431"/>
+            <a:off x="856711" y="4948015"/>
+            <a:ext cx="286039" cy="193073"/>
           </a:xfrm>
           <a:prstGeom prst="rect">
             <a:avLst/>
@@ -8573,8 +8573,8 @@
         </p:nvSpPr>
         <p:spPr>
           <a:xfrm>
-            <a:off x="1141961" y="6597353"/>
-            <a:ext cx="286039" cy="257431"/>
+            <a:off x="1141962" y="4948015"/>
+            <a:ext cx="286039" cy="193073"/>
           </a:xfrm>
           <a:prstGeom prst="rect">
             <a:avLst/>
@@ -8599,8 +8599,8 @@
         </p:nvSpPr>
         <p:spPr>
           <a:xfrm>
-            <a:off x="-1" y="6599852"/>
-            <a:ext cx="573879" cy="254932"/>
+            <a:off x="-1" y="4949889"/>
+            <a:ext cx="573879" cy="191199"/>
           </a:xfrm>
           <a:prstGeom prst="rect">
             <a:avLst/>
@@ -8621,8 +8621,8 @@
         </p:nvSpPr>
         <p:spPr>
           <a:xfrm>
-            <a:off x="3376" y="6599852"/>
-            <a:ext cx="286039" cy="257431"/>
+            <a:off x="3377" y="4949890"/>
+            <a:ext cx="286039" cy="193073"/>
           </a:xfrm>
           <a:prstGeom prst="rect">
             <a:avLst/>
@@ -8647,8 +8647,8 @@
         </p:nvSpPr>
         <p:spPr>
           <a:xfrm>
-            <a:off x="288628" y="6599852"/>
-            <a:ext cx="286039" cy="257431"/>
+            <a:off x="288629" y="4949890"/>
+            <a:ext cx="286039" cy="193073"/>
           </a:xfrm>
           <a:prstGeom prst="rect">
             <a:avLst/>
@@ -8677,8 +8677,8 @@
         </p:nvSpPr>
         <p:spPr>
           <a:xfrm>
-            <a:off x="457200" y="1340767"/>
-            <a:ext cx="8229600" cy="4608513"/>
+            <a:off x="457200" y="1005576"/>
+            <a:ext cx="8229600" cy="3456385"/>
           </a:xfrm>
           <a:prstGeom prst="rect">
             <a:avLst/>
@@ -8739,8 +8739,8 @@
         </p:nvSpPr>
         <p:spPr>
           <a:xfrm>
-            <a:off x="2007365" y="220640"/>
-            <a:ext cx="5062559" cy="856128"/>
+            <a:off x="2007366" y="165480"/>
+            <a:ext cx="5062559" cy="642096"/>
           </a:xfrm>
           <a:prstGeom prst="rect">
             <a:avLst/>
@@ -8777,8 +8777,8 @@
         </p:nvSpPr>
         <p:spPr>
           <a:xfrm>
-            <a:off x="3892797" y="6132835"/>
-            <a:ext cx="714476" cy="365125"/>
+            <a:off x="3892797" y="4599627"/>
+            <a:ext cx="714476" cy="273844"/>
           </a:xfrm>
           <a:prstGeom prst="rect">
             <a:avLst/>
@@ -8816,8 +8816,8 @@
         </p:nvSpPr>
         <p:spPr>
           <a:xfrm>
-            <a:off x="455446" y="6109508"/>
-            <a:ext cx="2133600" cy="365125"/>
+            <a:off x="455446" y="4582131"/>
+            <a:ext cx="2133600" cy="273844"/>
           </a:xfrm>
           <a:prstGeom prst="rect">
             <a:avLst/>
@@ -8839,7 +8839,7 @@
           <a:p>
             <a:fld id="{51E84241-D031-42DE-84E4-CC10C30232F4}" type="datetimeFigureOut">
               <a:rPr lang="ru-RU" smtClean="0"/>
-              <a:t>04.12.2012</a:t>
+              <a:t>22.10.2013</a:t>
             </a:fld>
             <a:endParaRPr lang="ru-RU" dirty="0"/>
           </a:p>
@@ -8857,8 +8857,8 @@
         </p:nvSpPr>
         <p:spPr>
           <a:xfrm>
-            <a:off x="5819164" y="6132835"/>
-            <a:ext cx="2895600" cy="365125"/>
+            <a:off x="5819164" y="4599627"/>
+            <a:ext cx="2895600" cy="273844"/>
           </a:xfrm>
           <a:prstGeom prst="rect">
             <a:avLst/>
@@ -9226,7 +9226,7 @@
           <a:bodyPr/>
           <a:lstStyle/>
           <a:p>
-            <a:endParaRPr lang="ru-RU"/>
+            <a:endParaRPr lang="ru-RU" dirty="0"/>
           </a:p>
         </p:txBody>
       </p:sp>

--- a/PowerPoint/themes/theme1/basic.pptx
+++ b/PowerPoint/themes/theme1/basic.pptx
@@ -9533,867 +9533,6 @@
   <a:objectDefaults/>
   <a:extraClrSchemeLst>
     <a:extraClrScheme>
-      <a:clrScheme name="Office">
-        <a:dk1>
-          <a:sysClr val="windowText" lastClr="000000"/>
-        </a:dk1>
-        <a:lt1>
-          <a:sysClr val="window" lastClr="FFFFFF"/>
-        </a:lt1>
-        <a:dk2>
-          <a:srgbClr val="1F497D"/>
-        </a:dk2>
-        <a:lt2>
-          <a:srgbClr val="EEECE1"/>
-        </a:lt2>
-        <a:accent1>
-          <a:srgbClr val="4F81BD"/>
-        </a:accent1>
-        <a:accent2>
-          <a:srgbClr val="C0504D"/>
-        </a:accent2>
-        <a:accent3>
-          <a:srgbClr val="9BBB59"/>
-        </a:accent3>
-        <a:accent4>
-          <a:srgbClr val="8064A2"/>
-        </a:accent4>
-        <a:accent5>
-          <a:srgbClr val="4BACC6"/>
-        </a:accent5>
-        <a:accent6>
-          <a:srgbClr val="F79646"/>
-        </a:accent6>
-        <a:hlink>
-          <a:srgbClr val="0000FF"/>
-        </a:hlink>
-        <a:folHlink>
-          <a:srgbClr val="800080"/>
-        </a:folHlink>
-      </a:clrScheme>
-      <a:clrMap bg1="lt1" tx1="dk1" bg2="lt2" tx2="dk2" accent1="accent1" accent2="accent2" accent3="accent3" accent4="accent4" accent5="accent5" accent6="accent6" hlink="hlink" folHlink="folHlink"/>
-    </a:extraClrScheme>
-    <a:extraClrScheme>
-      <a:clrScheme name="Grayscale">
-        <a:dk1>
-          <a:sysClr val="windowText" lastClr="000000"/>
-        </a:dk1>
-        <a:lt1>
-          <a:sysClr val="window" lastClr="FFFFFF"/>
-        </a:lt1>
-        <a:dk2>
-          <a:srgbClr val="000000"/>
-        </a:dk2>
-        <a:lt2>
-          <a:srgbClr val="F8F8F8"/>
-        </a:lt2>
-        <a:accent1>
-          <a:srgbClr val="DDDDDD"/>
-        </a:accent1>
-        <a:accent2>
-          <a:srgbClr val="B2B2B2"/>
-        </a:accent2>
-        <a:accent3>
-          <a:srgbClr val="969696"/>
-        </a:accent3>
-        <a:accent4>
-          <a:srgbClr val="808080"/>
-        </a:accent4>
-        <a:accent5>
-          <a:srgbClr val="5F5F5F"/>
-        </a:accent5>
-        <a:accent6>
-          <a:srgbClr val="4D4D4D"/>
-        </a:accent6>
-        <a:hlink>
-          <a:srgbClr val="5F5F5F"/>
-        </a:hlink>
-        <a:folHlink>
-          <a:srgbClr val="919191"/>
-        </a:folHlink>
-      </a:clrScheme>
-      <a:clrMap bg1="lt1" tx1="dk1" bg2="lt2" tx2="dk2" accent1="accent1" accent2="accent2" accent3="accent3" accent4="accent4" accent5="accent5" accent6="accent6" hlink="hlink" folHlink="folHlink"/>
-    </a:extraClrScheme>
-    <a:extraClrScheme>
-      <a:clrScheme name="Apex">
-        <a:dk1>
-          <a:sysClr val="windowText" lastClr="000000"/>
-        </a:dk1>
-        <a:lt1>
-          <a:sysClr val="window" lastClr="FFFFFF"/>
-        </a:lt1>
-        <a:dk2>
-          <a:srgbClr val="69676D"/>
-        </a:dk2>
-        <a:lt2>
-          <a:srgbClr val="C9C2D1"/>
-        </a:lt2>
-        <a:accent1>
-          <a:srgbClr val="CEB966"/>
-        </a:accent1>
-        <a:accent2>
-          <a:srgbClr val="9CB084"/>
-        </a:accent2>
-        <a:accent3>
-          <a:srgbClr val="6BB1C9"/>
-        </a:accent3>
-        <a:accent4>
-          <a:srgbClr val="6585CF"/>
-        </a:accent4>
-        <a:accent5>
-          <a:srgbClr val="7E6BC9"/>
-        </a:accent5>
-        <a:accent6>
-          <a:srgbClr val="A379BB"/>
-        </a:accent6>
-        <a:hlink>
-          <a:srgbClr val="410082"/>
-        </a:hlink>
-        <a:folHlink>
-          <a:srgbClr val="932968"/>
-        </a:folHlink>
-      </a:clrScheme>
-      <a:clrMap bg1="lt1" tx1="dk1" bg2="lt2" tx2="dk2" accent1="accent1" accent2="accent2" accent3="accent3" accent4="accent4" accent5="accent5" accent6="accent6" hlink="hlink" folHlink="folHlink"/>
-    </a:extraClrScheme>
-    <a:extraClrScheme>
-      <a:clrScheme name="Aspect">
-        <a:dk1>
-          <a:sysClr val="windowText" lastClr="000000"/>
-        </a:dk1>
-        <a:lt1>
-          <a:sysClr val="window" lastClr="FFFFFF"/>
-        </a:lt1>
-        <a:dk2>
-          <a:srgbClr val="323232"/>
-        </a:dk2>
-        <a:lt2>
-          <a:srgbClr val="E3DED1"/>
-        </a:lt2>
-        <a:accent1>
-          <a:srgbClr val="F07F09"/>
-        </a:accent1>
-        <a:accent2>
-          <a:srgbClr val="9F2936"/>
-        </a:accent2>
-        <a:accent3>
-          <a:srgbClr val="1B587C"/>
-        </a:accent3>
-        <a:accent4>
-          <a:srgbClr val="4E8542"/>
-        </a:accent4>
-        <a:accent5>
-          <a:srgbClr val="604878"/>
-        </a:accent5>
-        <a:accent6>
-          <a:srgbClr val="C19859"/>
-        </a:accent6>
-        <a:hlink>
-          <a:srgbClr val="6B9F25"/>
-        </a:hlink>
-        <a:folHlink>
-          <a:srgbClr val="B26B02"/>
-        </a:folHlink>
-      </a:clrScheme>
-      <a:clrMap bg1="lt1" tx1="dk1" bg2="lt2" tx2="dk2" accent1="accent1" accent2="accent2" accent3="accent3" accent4="accent4" accent5="accent5" accent6="accent6" hlink="hlink" folHlink="folHlink"/>
-    </a:extraClrScheme>
-    <a:extraClrScheme>
-      <a:clrScheme name="Civic">
-        <a:dk1>
-          <a:sysClr val="windowText" lastClr="000000"/>
-        </a:dk1>
-        <a:lt1>
-          <a:sysClr val="window" lastClr="FFFFFF"/>
-        </a:lt1>
-        <a:dk2>
-          <a:srgbClr val="646B86"/>
-        </a:dk2>
-        <a:lt2>
-          <a:srgbClr val="C5D1D7"/>
-        </a:lt2>
-        <a:accent1>
-          <a:srgbClr val="D16349"/>
-        </a:accent1>
-        <a:accent2>
-          <a:srgbClr val="CCB400"/>
-        </a:accent2>
-        <a:accent3>
-          <a:srgbClr val="8CADAE"/>
-        </a:accent3>
-        <a:accent4>
-          <a:srgbClr val="8C7B70"/>
-        </a:accent4>
-        <a:accent5>
-          <a:srgbClr val="8FB08C"/>
-        </a:accent5>
-        <a:accent6>
-          <a:srgbClr val="D19049"/>
-        </a:accent6>
-        <a:hlink>
-          <a:srgbClr val="00A3D6"/>
-        </a:hlink>
-        <a:folHlink>
-          <a:srgbClr val="694F07"/>
-        </a:folHlink>
-      </a:clrScheme>
-      <a:clrMap bg1="lt1" tx1="dk1" bg2="lt2" tx2="dk2" accent1="accent1" accent2="accent2" accent3="accent3" accent4="accent4" accent5="accent5" accent6="accent6" hlink="hlink" folHlink="folHlink"/>
-    </a:extraClrScheme>
-    <a:extraClrScheme>
-      <a:clrScheme name="Concourse">
-        <a:dk1>
-          <a:sysClr val="windowText" lastClr="000000"/>
-        </a:dk1>
-        <a:lt1>
-          <a:sysClr val="window" lastClr="FFFFFF"/>
-        </a:lt1>
-        <a:dk2>
-          <a:srgbClr val="464646"/>
-        </a:dk2>
-        <a:lt2>
-          <a:srgbClr val="DEF5FA"/>
-        </a:lt2>
-        <a:accent1>
-          <a:srgbClr val="2DA2BF"/>
-        </a:accent1>
-        <a:accent2>
-          <a:srgbClr val="DA1F28"/>
-        </a:accent2>
-        <a:accent3>
-          <a:srgbClr val="EB641B"/>
-        </a:accent3>
-        <a:accent4>
-          <a:srgbClr val="39639D"/>
-        </a:accent4>
-        <a:accent5>
-          <a:srgbClr val="474B78"/>
-        </a:accent5>
-        <a:accent6>
-          <a:srgbClr val="7D3C4A"/>
-        </a:accent6>
-        <a:hlink>
-          <a:srgbClr val="FF8119"/>
-        </a:hlink>
-        <a:folHlink>
-          <a:srgbClr val="44B9E8"/>
-        </a:folHlink>
-      </a:clrScheme>
-      <a:clrMap bg1="lt1" tx1="dk1" bg2="lt2" tx2="dk2" accent1="accent1" accent2="accent2" accent3="accent3" accent4="accent4" accent5="accent5" accent6="accent6" hlink="hlink" folHlink="folHlink"/>
-    </a:extraClrScheme>
-    <a:extraClrScheme>
-      <a:clrScheme name="Equity">
-        <a:dk1>
-          <a:sysClr val="windowText" lastClr="000000"/>
-        </a:dk1>
-        <a:lt1>
-          <a:sysClr val="window" lastClr="FFFFFF"/>
-        </a:lt1>
-        <a:dk2>
-          <a:srgbClr val="696464"/>
-        </a:dk2>
-        <a:lt2>
-          <a:srgbClr val="E9E5DC"/>
-        </a:lt2>
-        <a:accent1>
-          <a:srgbClr val="D34817"/>
-        </a:accent1>
-        <a:accent2>
-          <a:srgbClr val="9B2D1F"/>
-        </a:accent2>
-        <a:accent3>
-          <a:srgbClr val="A28E6A"/>
-        </a:accent3>
-        <a:accent4>
-          <a:srgbClr val="956251"/>
-        </a:accent4>
-        <a:accent5>
-          <a:srgbClr val="918485"/>
-        </a:accent5>
-        <a:accent6>
-          <a:srgbClr val="855D5D"/>
-        </a:accent6>
-        <a:hlink>
-          <a:srgbClr val="CC9900"/>
-        </a:hlink>
-        <a:folHlink>
-          <a:srgbClr val="96A9A9"/>
-        </a:folHlink>
-      </a:clrScheme>
-      <a:clrMap bg1="lt1" tx1="dk1" bg2="lt2" tx2="dk2" accent1="accent1" accent2="accent2" accent3="accent3" accent4="accent4" accent5="accent5" accent6="accent6" hlink="hlink" folHlink="folHlink"/>
-    </a:extraClrScheme>
-    <a:extraClrScheme>
-      <a:clrScheme name="Flow">
-        <a:dk1>
-          <a:sysClr val="windowText" lastClr="000000"/>
-        </a:dk1>
-        <a:lt1>
-          <a:sysClr val="window" lastClr="FFFFFF"/>
-        </a:lt1>
-        <a:dk2>
-          <a:srgbClr val="04617B"/>
-        </a:dk2>
-        <a:lt2>
-          <a:srgbClr val="DBF5F9"/>
-        </a:lt2>
-        <a:accent1>
-          <a:srgbClr val="0F6FC6"/>
-        </a:accent1>
-        <a:accent2>
-          <a:srgbClr val="009DD9"/>
-        </a:accent2>
-        <a:accent3>
-          <a:srgbClr val="0BD0D9"/>
-        </a:accent3>
-        <a:accent4>
-          <a:srgbClr val="10CF9B"/>
-        </a:accent4>
-        <a:accent5>
-          <a:srgbClr val="7CCA62"/>
-        </a:accent5>
-        <a:accent6>
-          <a:srgbClr val="A5C249"/>
-        </a:accent6>
-        <a:hlink>
-          <a:srgbClr val="F49100"/>
-        </a:hlink>
-        <a:folHlink>
-          <a:srgbClr val="85DFD0"/>
-        </a:folHlink>
-      </a:clrScheme>
-      <a:clrMap bg1="lt1" tx1="dk1" bg2="lt2" tx2="dk2" accent1="accent1" accent2="accent2" accent3="accent3" accent4="accent4" accent5="accent5" accent6="accent6" hlink="hlink" folHlink="folHlink"/>
-    </a:extraClrScheme>
-    <a:extraClrScheme>
-      <a:clrScheme name="Foundry">
-        <a:dk1>
-          <a:sysClr val="windowText" lastClr="000000"/>
-        </a:dk1>
-        <a:lt1>
-          <a:sysClr val="window" lastClr="FFFFFF"/>
-        </a:lt1>
-        <a:dk2>
-          <a:srgbClr val="676A55"/>
-        </a:dk2>
-        <a:lt2>
-          <a:srgbClr val="EAEBDE"/>
-        </a:lt2>
-        <a:accent1>
-          <a:srgbClr val="72A376"/>
-        </a:accent1>
-        <a:accent2>
-          <a:srgbClr val="B0CCB0"/>
-        </a:accent2>
-        <a:accent3>
-          <a:srgbClr val="A8CDD7"/>
-        </a:accent3>
-        <a:accent4>
-          <a:srgbClr val="C0BEAF"/>
-        </a:accent4>
-        <a:accent5>
-          <a:srgbClr val="CEC597"/>
-        </a:accent5>
-        <a:accent6>
-          <a:srgbClr val="E8B7B7"/>
-        </a:accent6>
-        <a:hlink>
-          <a:srgbClr val="DB5353"/>
-        </a:hlink>
-        <a:folHlink>
-          <a:srgbClr val="903638"/>
-        </a:folHlink>
-      </a:clrScheme>
-      <a:clrMap bg1="lt1" tx1="dk1" bg2="lt2" tx2="dk2" accent1="accent1" accent2="accent2" accent3="accent3" accent4="accent4" accent5="accent5" accent6="accent6" hlink="hlink" folHlink="folHlink"/>
-    </a:extraClrScheme>
-    <a:extraClrScheme>
-      <a:clrScheme name="Median">
-        <a:dk1>
-          <a:sysClr val="windowText" lastClr="000000"/>
-        </a:dk1>
-        <a:lt1>
-          <a:sysClr val="window" lastClr="FFFFFF"/>
-        </a:lt1>
-        <a:dk2>
-          <a:srgbClr val="775F55"/>
-        </a:dk2>
-        <a:lt2>
-          <a:srgbClr val="EBDDC3"/>
-        </a:lt2>
-        <a:accent1>
-          <a:srgbClr val="94B6D2"/>
-        </a:accent1>
-        <a:accent2>
-          <a:srgbClr val="DD8047"/>
-        </a:accent2>
-        <a:accent3>
-          <a:srgbClr val="A5AB81"/>
-        </a:accent3>
-        <a:accent4>
-          <a:srgbClr val="D8B25C"/>
-        </a:accent4>
-        <a:accent5>
-          <a:srgbClr val="7BA79D"/>
-        </a:accent5>
-        <a:accent6>
-          <a:srgbClr val="968C8C"/>
-        </a:accent6>
-        <a:hlink>
-          <a:srgbClr val="F7B615"/>
-        </a:hlink>
-        <a:folHlink>
-          <a:srgbClr val="704404"/>
-        </a:folHlink>
-      </a:clrScheme>
-      <a:clrMap bg1="lt1" tx1="dk1" bg2="lt2" tx2="dk2" accent1="accent1" accent2="accent2" accent3="accent3" accent4="accent4" accent5="accent5" accent6="accent6" hlink="hlink" folHlink="folHlink"/>
-    </a:extraClrScheme>
-    <a:extraClrScheme>
-      <a:clrScheme name="Metro">
-        <a:dk1>
-          <a:sysClr val="windowText" lastClr="000000"/>
-        </a:dk1>
-        <a:lt1>
-          <a:sysClr val="window" lastClr="FFFFFF"/>
-        </a:lt1>
-        <a:dk2>
-          <a:srgbClr val="4E5B6F"/>
-        </a:dk2>
-        <a:lt2>
-          <a:srgbClr val="D6ECFF"/>
-        </a:lt2>
-        <a:accent1>
-          <a:srgbClr val="7FD13B"/>
-        </a:accent1>
-        <a:accent2>
-          <a:srgbClr val="EA157A"/>
-        </a:accent2>
-        <a:accent3>
-          <a:srgbClr val="FEB80A"/>
-        </a:accent3>
-        <a:accent4>
-          <a:srgbClr val="00ADDC"/>
-        </a:accent4>
-        <a:accent5>
-          <a:srgbClr val="738AC8"/>
-        </a:accent5>
-        <a:accent6>
-          <a:srgbClr val="1AB39F"/>
-        </a:accent6>
-        <a:hlink>
-          <a:srgbClr val="EB8803"/>
-        </a:hlink>
-        <a:folHlink>
-          <a:srgbClr val="5F7791"/>
-        </a:folHlink>
-      </a:clrScheme>
-      <a:clrMap bg1="lt1" tx1="dk1" bg2="lt2" tx2="dk2" accent1="accent1" accent2="accent2" accent3="accent3" accent4="accent4" accent5="accent5" accent6="accent6" hlink="hlink" folHlink="folHlink"/>
-    </a:extraClrScheme>
-    <a:extraClrScheme>
-      <a:clrScheme name="Module">
-        <a:dk1>
-          <a:sysClr val="windowText" lastClr="000000"/>
-        </a:dk1>
-        <a:lt1>
-          <a:sysClr val="window" lastClr="FFFFFF"/>
-        </a:lt1>
-        <a:dk2>
-          <a:srgbClr val="5A6378"/>
-        </a:dk2>
-        <a:lt2>
-          <a:srgbClr val="D4D4D6"/>
-        </a:lt2>
-        <a:accent1>
-          <a:srgbClr val="F0AD00"/>
-        </a:accent1>
-        <a:accent2>
-          <a:srgbClr val="60B5CC"/>
-        </a:accent2>
-        <a:accent3>
-          <a:srgbClr val="E66C7D"/>
-        </a:accent3>
-        <a:accent4>
-          <a:srgbClr val="6BB76D"/>
-        </a:accent4>
-        <a:accent5>
-          <a:srgbClr val="E88651"/>
-        </a:accent5>
-        <a:accent6>
-          <a:srgbClr val="C64847"/>
-        </a:accent6>
-        <a:hlink>
-          <a:srgbClr val="168BBA"/>
-        </a:hlink>
-        <a:folHlink>
-          <a:srgbClr val="680000"/>
-        </a:folHlink>
-      </a:clrScheme>
-      <a:clrMap bg1="lt1" tx1="dk1" bg2="lt2" tx2="dk2" accent1="accent1" accent2="accent2" accent3="accent3" accent4="accent4" accent5="accent5" accent6="accent6" hlink="hlink" folHlink="folHlink"/>
-    </a:extraClrScheme>
-    <a:extraClrScheme>
-      <a:clrScheme name="Opulent">
-        <a:dk1>
-          <a:sysClr val="windowText" lastClr="000000"/>
-        </a:dk1>
-        <a:lt1>
-          <a:sysClr val="window" lastClr="FFFFFF"/>
-        </a:lt1>
-        <a:dk2>
-          <a:srgbClr val="B13F9A"/>
-        </a:dk2>
-        <a:lt2>
-          <a:srgbClr val="F4E7ED"/>
-        </a:lt2>
-        <a:accent1>
-          <a:srgbClr val="B83D68"/>
-        </a:accent1>
-        <a:accent2>
-          <a:srgbClr val="AC66BB"/>
-        </a:accent2>
-        <a:accent3>
-          <a:srgbClr val="DE6C36"/>
-        </a:accent3>
-        <a:accent4>
-          <a:srgbClr val="F9B639"/>
-        </a:accent4>
-        <a:accent5>
-          <a:srgbClr val="CF6DA4"/>
-        </a:accent5>
-        <a:accent6>
-          <a:srgbClr val="FA8D3D"/>
-        </a:accent6>
-        <a:hlink>
-          <a:srgbClr val="FFDE66"/>
-        </a:hlink>
-        <a:folHlink>
-          <a:srgbClr val="D490C5"/>
-        </a:folHlink>
-      </a:clrScheme>
-      <a:clrMap bg1="lt1" tx1="dk1" bg2="lt2" tx2="dk2" accent1="accent1" accent2="accent2" accent3="accent3" accent4="accent4" accent5="accent5" accent6="accent6" hlink="hlink" folHlink="folHlink"/>
-    </a:extraClrScheme>
-    <a:extraClrScheme>
-      <a:clrScheme name="Oriel">
-        <a:dk1>
-          <a:sysClr val="windowText" lastClr="000000"/>
-        </a:dk1>
-        <a:lt1>
-          <a:sysClr val="window" lastClr="FFFFFF"/>
-        </a:lt1>
-        <a:dk2>
-          <a:srgbClr val="575F6D"/>
-        </a:dk2>
-        <a:lt2>
-          <a:srgbClr val="FFF39D"/>
-        </a:lt2>
-        <a:accent1>
-          <a:srgbClr val="FE8637"/>
-        </a:accent1>
-        <a:accent2>
-          <a:srgbClr val="7598D9"/>
-        </a:accent2>
-        <a:accent3>
-          <a:srgbClr val="B32C16"/>
-        </a:accent3>
-        <a:accent4>
-          <a:srgbClr val="F5CD2D"/>
-        </a:accent4>
-        <a:accent5>
-          <a:srgbClr val="AEBAD5"/>
-        </a:accent5>
-        <a:accent6>
-          <a:srgbClr val="777C84"/>
-        </a:accent6>
-        <a:hlink>
-          <a:srgbClr val="D2611C"/>
-        </a:hlink>
-        <a:folHlink>
-          <a:srgbClr val="3B435B"/>
-        </a:folHlink>
-      </a:clrScheme>
-      <a:clrMap bg1="lt1" tx1="dk1" bg2="lt2" tx2="dk2" accent1="accent1" accent2="accent2" accent3="accent3" accent4="accent4" accent5="accent5" accent6="accent6" hlink="hlink" folHlink="folHlink"/>
-    </a:extraClrScheme>
-    <a:extraClrScheme>
-      <a:clrScheme name="Origin">
-        <a:dk1>
-          <a:sysClr val="windowText" lastClr="000000"/>
-        </a:dk1>
-        <a:lt1>
-          <a:sysClr val="window" lastClr="FFFFFF"/>
-        </a:lt1>
-        <a:dk2>
-          <a:srgbClr val="464653"/>
-        </a:dk2>
-        <a:lt2>
-          <a:srgbClr val="DDE9EC"/>
-        </a:lt2>
-        <a:accent1>
-          <a:srgbClr val="727CA3"/>
-        </a:accent1>
-        <a:accent2>
-          <a:srgbClr val="9FB8CD"/>
-        </a:accent2>
-        <a:accent3>
-          <a:srgbClr val="D2DA7A"/>
-        </a:accent3>
-        <a:accent4>
-          <a:srgbClr val="FADA7A"/>
-        </a:accent4>
-        <a:accent5>
-          <a:srgbClr val="B88472"/>
-        </a:accent5>
-        <a:accent6>
-          <a:srgbClr val="8E736A"/>
-        </a:accent6>
-        <a:hlink>
-          <a:srgbClr val="B292CA"/>
-        </a:hlink>
-        <a:folHlink>
-          <a:srgbClr val="6B5680"/>
-        </a:folHlink>
-      </a:clrScheme>
-      <a:clrMap bg1="lt1" tx1="dk1" bg2="lt2" tx2="dk2" accent1="accent1" accent2="accent2" accent3="accent3" accent4="accent4" accent5="accent5" accent6="accent6" hlink="hlink" folHlink="folHlink"/>
-    </a:extraClrScheme>
-    <a:extraClrScheme>
-      <a:clrScheme name="Paper">
-        <a:dk1>
-          <a:sysClr val="windowText" lastClr="000000"/>
-        </a:dk1>
-        <a:lt1>
-          <a:sysClr val="window" lastClr="FFFFFF"/>
-        </a:lt1>
-        <a:dk2>
-          <a:srgbClr val="444D26"/>
-        </a:dk2>
-        <a:lt2>
-          <a:srgbClr val="FEFAC9"/>
-        </a:lt2>
-        <a:accent1>
-          <a:srgbClr val="A5B592"/>
-        </a:accent1>
-        <a:accent2>
-          <a:srgbClr val="F3A447"/>
-        </a:accent2>
-        <a:accent3>
-          <a:srgbClr val="E7BC29"/>
-        </a:accent3>
-        <a:accent4>
-          <a:srgbClr val="D092A7"/>
-        </a:accent4>
-        <a:accent5>
-          <a:srgbClr val="9C85C0"/>
-        </a:accent5>
-        <a:accent6>
-          <a:srgbClr val="809EC2"/>
-        </a:accent6>
-        <a:hlink>
-          <a:srgbClr val="8E58B6"/>
-        </a:hlink>
-        <a:folHlink>
-          <a:srgbClr val="7F6F6F"/>
-        </a:folHlink>
-      </a:clrScheme>
-      <a:clrMap bg1="lt1" tx1="dk1" bg2="lt2" tx2="dk2" accent1="accent1" accent2="accent2" accent3="accent3" accent4="accent4" accent5="accent5" accent6="accent6" hlink="hlink" folHlink="folHlink"/>
-    </a:extraClrScheme>
-    <a:extraClrScheme>
-      <a:clrScheme name="Solstice">
-        <a:dk1>
-          <a:sysClr val="windowText" lastClr="000000"/>
-        </a:dk1>
-        <a:lt1>
-          <a:sysClr val="window" lastClr="FFFFFF"/>
-        </a:lt1>
-        <a:dk2>
-          <a:srgbClr val="4F271C"/>
-        </a:dk2>
-        <a:lt2>
-          <a:srgbClr val="E7DEC9"/>
-        </a:lt2>
-        <a:accent1>
-          <a:srgbClr val="3891A7"/>
-        </a:accent1>
-        <a:accent2>
-          <a:srgbClr val="FEB80A"/>
-        </a:accent2>
-        <a:accent3>
-          <a:srgbClr val="C32D2E"/>
-        </a:accent3>
-        <a:accent4>
-          <a:srgbClr val="84AA33"/>
-        </a:accent4>
-        <a:accent5>
-          <a:srgbClr val="964305"/>
-        </a:accent5>
-        <a:accent6>
-          <a:srgbClr val="475A8D"/>
-        </a:accent6>
-        <a:hlink>
-          <a:srgbClr val="8DC765"/>
-        </a:hlink>
-        <a:folHlink>
-          <a:srgbClr val="AA8A14"/>
-        </a:folHlink>
-      </a:clrScheme>
-      <a:clrMap bg1="lt1" tx1="dk1" bg2="lt2" tx2="dk2" accent1="accent1" accent2="accent2" accent3="accent3" accent4="accent4" accent5="accent5" accent6="accent6" hlink="hlink" folHlink="folHlink"/>
-    </a:extraClrScheme>
-    <a:extraClrScheme>
-      <a:clrScheme name="Technic">
-        <a:dk1>
-          <a:sysClr val="windowText" lastClr="000000"/>
-        </a:dk1>
-        <a:lt1>
-          <a:sysClr val="window" lastClr="FFFFFF"/>
-        </a:lt1>
-        <a:dk2>
-          <a:srgbClr val="3B3B3B"/>
-        </a:dk2>
-        <a:lt2>
-          <a:srgbClr val="D4D2D0"/>
-        </a:lt2>
-        <a:accent1>
-          <a:srgbClr val="6EA0B0"/>
-        </a:accent1>
-        <a:accent2>
-          <a:srgbClr val="CCAF0A"/>
-        </a:accent2>
-        <a:accent3>
-          <a:srgbClr val="8D89A4"/>
-        </a:accent3>
-        <a:accent4>
-          <a:srgbClr val="748560"/>
-        </a:accent4>
-        <a:accent5>
-          <a:srgbClr val="9E9273"/>
-        </a:accent5>
-        <a:accent6>
-          <a:srgbClr val="7E848D"/>
-        </a:accent6>
-        <a:hlink>
-          <a:srgbClr val="00C8C3"/>
-        </a:hlink>
-        <a:folHlink>
-          <a:srgbClr val="A116E0"/>
-        </a:folHlink>
-      </a:clrScheme>
-      <a:clrMap bg1="lt1" tx1="dk1" bg2="lt2" tx2="dk2" accent1="accent1" accent2="accent2" accent3="accent3" accent4="accent4" accent5="accent5" accent6="accent6" hlink="hlink" folHlink="folHlink"/>
-    </a:extraClrScheme>
-    <a:extraClrScheme>
-      <a:clrScheme name="Trek">
-        <a:dk1>
-          <a:sysClr val="windowText" lastClr="000000"/>
-        </a:dk1>
-        <a:lt1>
-          <a:sysClr val="window" lastClr="FFFFFF"/>
-        </a:lt1>
-        <a:dk2>
-          <a:srgbClr val="4E3B30"/>
-        </a:dk2>
-        <a:lt2>
-          <a:srgbClr val="FBEEC9"/>
-        </a:lt2>
-        <a:accent1>
-          <a:srgbClr val="F0A22E"/>
-        </a:accent1>
-        <a:accent2>
-          <a:srgbClr val="A5644E"/>
-        </a:accent2>
-        <a:accent3>
-          <a:srgbClr val="B58B80"/>
-        </a:accent3>
-        <a:accent4>
-          <a:srgbClr val="C3986D"/>
-        </a:accent4>
-        <a:accent5>
-          <a:srgbClr val="A19574"/>
-        </a:accent5>
-        <a:accent6>
-          <a:srgbClr val="C17529"/>
-        </a:accent6>
-        <a:hlink>
-          <a:srgbClr val="AD1F1F"/>
-        </a:hlink>
-        <a:folHlink>
-          <a:srgbClr val="FFC42F"/>
-        </a:folHlink>
-      </a:clrScheme>
-      <a:clrMap bg1="lt1" tx1="dk1" bg2="lt2" tx2="dk2" accent1="accent1" accent2="accent2" accent3="accent3" accent4="accent4" accent5="accent5" accent6="accent6" hlink="hlink" folHlink="folHlink"/>
-    </a:extraClrScheme>
-    <a:extraClrScheme>
-      <a:clrScheme name="Urban">
-        <a:dk1>
-          <a:sysClr val="windowText" lastClr="000000"/>
-        </a:dk1>
-        <a:lt1>
-          <a:sysClr val="window" lastClr="FFFFFF"/>
-        </a:lt1>
-        <a:dk2>
-          <a:srgbClr val="424456"/>
-        </a:dk2>
-        <a:lt2>
-          <a:srgbClr val="DEDEDE"/>
-        </a:lt2>
-        <a:accent1>
-          <a:srgbClr val="53548A"/>
-        </a:accent1>
-        <a:accent2>
-          <a:srgbClr val="438086"/>
-        </a:accent2>
-        <a:accent3>
-          <a:srgbClr val="A04DA3"/>
-        </a:accent3>
-        <a:accent4>
-          <a:srgbClr val="C4652D"/>
-        </a:accent4>
-        <a:accent5>
-          <a:srgbClr val="8B5D3D"/>
-        </a:accent5>
-        <a:accent6>
-          <a:srgbClr val="5C92B5"/>
-        </a:accent6>
-        <a:hlink>
-          <a:srgbClr val="67AFBD"/>
-        </a:hlink>
-        <a:folHlink>
-          <a:srgbClr val="C2A874"/>
-        </a:folHlink>
-      </a:clrScheme>
-      <a:clrMap bg1="lt1" tx1="dk1" bg2="lt2" tx2="dk2" accent1="accent1" accent2="accent2" accent3="accent3" accent4="accent4" accent5="accent5" accent6="accent6" hlink="hlink" folHlink="folHlink"/>
-    </a:extraClrScheme>
-    <a:extraClrScheme>
-      <a:clrScheme name="Verve">
-        <a:dk1>
-          <a:sysClr val="windowText" lastClr="000000"/>
-        </a:dk1>
-        <a:lt1>
-          <a:sysClr val="window" lastClr="FFFFFF"/>
-        </a:lt1>
-        <a:dk2>
-          <a:srgbClr val="666666"/>
-        </a:dk2>
-        <a:lt2>
-          <a:srgbClr val="D2D2D2"/>
-        </a:lt2>
-        <a:accent1>
-          <a:srgbClr val="FF388C"/>
-        </a:accent1>
-        <a:accent2>
-          <a:srgbClr val="E40059"/>
-        </a:accent2>
-        <a:accent3>
-          <a:srgbClr val="9C007F"/>
-        </a:accent3>
-        <a:accent4>
-          <a:srgbClr val="68007F"/>
-        </a:accent4>
-        <a:accent5>
-          <a:srgbClr val="005BD3"/>
-        </a:accent5>
-        <a:accent6>
-          <a:srgbClr val="00349E"/>
-        </a:accent6>
-        <a:hlink>
-          <a:srgbClr val="17BBFD"/>
-        </a:hlink>
-        <a:folHlink>
-          <a:srgbClr val="FF79C2"/>
-        </a:folHlink>
-      </a:clrScheme>
-      <a:clrMap bg1="lt1" tx1="dk1" bg2="lt2" tx2="dk2" accent1="accent1" accent2="accent2" accent3="accent3" accent4="accent4" accent5="accent5" accent6="accent6" hlink="hlink" folHlink="folHlink"/>
-    </a:extraClrScheme>
-    <a:extraClrScheme>
       <a:clrScheme name="Custom">
         <a:dk1>
           <a:srgbClr val="0F243E"/>

--- a/PowerPoint/themes/theme1/basic.pptx
+++ b/PowerPoint/themes/theme1/basic.pptx
@@ -125,7 +125,7 @@
 
 <file path=ppt/slideLayouts/slideLayout1.xml><?xml version="1.0" encoding="utf-8"?>
 <p:sldLayout xmlns:a="http://schemas.openxmlformats.org/drawingml/2006/main" xmlns:r="http://schemas.openxmlformats.org/officeDocument/2006/relationships" xmlns:p="http://schemas.openxmlformats.org/presentationml/2006/main" showMasterSp="0" type="title" preserve="1">
-  <p:cSld name="Титульный слайд">
+  <p:cSld name="Title Slide">
     <p:spTree>
       <p:nvGrpSpPr>
         <p:cNvPr id="1" name=""/>
@@ -2396,7 +2396,7 @@
 
 <file path=ppt/slideLayouts/slideLayout10.xml><?xml version="1.0" encoding="utf-8"?>
 <p:sldLayout xmlns:a="http://schemas.openxmlformats.org/drawingml/2006/main" xmlns:r="http://schemas.openxmlformats.org/officeDocument/2006/relationships" xmlns:p="http://schemas.openxmlformats.org/presentationml/2006/main" type="vertTx" preserve="1">
-  <p:cSld name="Заголовок и вертикальный текст">
+  <p:cSld name="Title and Vertical Text">
     <p:spTree>
       <p:nvGrpSpPr>
         <p:cNvPr id="1" name=""/>
@@ -2567,7 +2567,7 @@
 
 <file path=ppt/slideLayouts/slideLayout11.xml><?xml version="1.0" encoding="utf-8"?>
 <p:sldLayout xmlns:a="http://schemas.openxmlformats.org/drawingml/2006/main" xmlns:r="http://schemas.openxmlformats.org/officeDocument/2006/relationships" xmlns:p="http://schemas.openxmlformats.org/presentationml/2006/main" type="vertTitleAndTx" preserve="1">
-  <p:cSld name="Вертикальный заголовок и текст">
+  <p:cSld name="Vertical Title and Text">
     <p:spTree>
       <p:nvGrpSpPr>
         <p:cNvPr id="1" name=""/>
@@ -2752,7 +2752,7 @@
 
 <file path=ppt/slideLayouts/slideLayout2.xml><?xml version="1.0" encoding="utf-8"?>
 <p:sldLayout xmlns:a="http://schemas.openxmlformats.org/drawingml/2006/main" xmlns:r="http://schemas.openxmlformats.org/officeDocument/2006/relationships" xmlns:p="http://schemas.openxmlformats.org/presentationml/2006/main" type="obj" preserve="1">
-  <p:cSld name="Заголовок и объект">
+  <p:cSld name="Title and Content">
     <p:spTree>
       <p:nvGrpSpPr>
         <p:cNvPr id="1" name=""/>
@@ -2857,7 +2857,7 @@
 
 <file path=ppt/slideLayouts/slideLayout3.xml><?xml version="1.0" encoding="utf-8"?>
 <p:sldLayout xmlns:a="http://schemas.openxmlformats.org/drawingml/2006/main" xmlns:r="http://schemas.openxmlformats.org/officeDocument/2006/relationships" xmlns:p="http://schemas.openxmlformats.org/presentationml/2006/main" type="secHead" preserve="1">
-  <p:cSld name="Заголовок раздела">
+  <p:cSld name="Section Header">
     <p:spTree>
       <p:nvGrpSpPr>
         <p:cNvPr id="1" name=""/>
@@ -3105,7 +3105,7 @@
 
 <file path=ppt/slideLayouts/slideLayout4.xml><?xml version="1.0" encoding="utf-8"?>
 <p:sldLayout xmlns:a="http://schemas.openxmlformats.org/drawingml/2006/main" xmlns:r="http://schemas.openxmlformats.org/officeDocument/2006/relationships" xmlns:p="http://schemas.openxmlformats.org/presentationml/2006/main" type="twoObj" preserve="1" userDrawn="1">
-  <p:cSld name="Два объекта">
+  <p:cSld name="Two Content">
     <p:spTree>
       <p:nvGrpSpPr>
         <p:cNvPr id="1" name=""/>
@@ -3394,7 +3394,7 @@
 
 <file path=ppt/slideLayouts/slideLayout5.xml><?xml version="1.0" encoding="utf-8"?>
 <p:sldLayout xmlns:a="http://schemas.openxmlformats.org/drawingml/2006/main" xmlns:r="http://schemas.openxmlformats.org/officeDocument/2006/relationships" xmlns:p="http://schemas.openxmlformats.org/presentationml/2006/main" type="twoTxTwoObj" preserve="1" userDrawn="1">
-  <p:cSld name="Сравнение">
+  <p:cSld name="Comparison">
     <p:spTree>
       <p:nvGrpSpPr>
         <p:cNvPr id="1" name=""/>
@@ -3813,7 +3813,7 @@
 
 <file path=ppt/slideLayouts/slideLayout6.xml><?xml version="1.0" encoding="utf-8"?>
 <p:sldLayout xmlns:a="http://schemas.openxmlformats.org/drawingml/2006/main" xmlns:r="http://schemas.openxmlformats.org/officeDocument/2006/relationships" xmlns:p="http://schemas.openxmlformats.org/presentationml/2006/main" type="titleOnly" preserve="1" userDrawn="1">
-  <p:cSld name="Только заголовок">
+  <p:cSld name="Title Only">
     <p:spTree>
       <p:nvGrpSpPr>
         <p:cNvPr id="1" name=""/>
@@ -3932,7 +3932,7 @@
 
 <file path=ppt/slideLayouts/slideLayout7.xml><?xml version="1.0" encoding="utf-8"?>
 <p:sldLayout xmlns:a="http://schemas.openxmlformats.org/drawingml/2006/main" xmlns:r="http://schemas.openxmlformats.org/officeDocument/2006/relationships" xmlns:p="http://schemas.openxmlformats.org/presentationml/2006/main" type="blank" preserve="1">
-  <p:cSld name="Пустой слайд">
+  <p:cSld name="Blank">
     <p:spTree>
       <p:nvGrpSpPr>
         <p:cNvPr id="1" name=""/>
@@ -4028,7 +4028,7 @@
 
 <file path=ppt/slideLayouts/slideLayout8.xml><?xml version="1.0" encoding="utf-8"?>
 <p:sldLayout xmlns:a="http://schemas.openxmlformats.org/drawingml/2006/main" xmlns:r="http://schemas.openxmlformats.org/officeDocument/2006/relationships" xmlns:p="http://schemas.openxmlformats.org/presentationml/2006/main" type="objTx" preserve="1" userDrawn="1">
-  <p:cSld name="Объект с подписью">
+  <p:cSld name="Content with Caption">
     <p:spTree>
       <p:nvGrpSpPr>
         <p:cNvPr id="1" name=""/>
@@ -4306,7 +4306,7 @@
 
 <file path=ppt/slideLayouts/slideLayout9.xml><?xml version="1.0" encoding="utf-8"?>
 <p:sldLayout xmlns:a="http://schemas.openxmlformats.org/drawingml/2006/main" xmlns:r="http://schemas.openxmlformats.org/officeDocument/2006/relationships" xmlns:p="http://schemas.openxmlformats.org/presentationml/2006/main" type="picTx" preserve="1">
-  <p:cSld name="Рисунок с подписью">
+  <p:cSld name="Picture with Caption">
     <p:spTree>
       <p:nvGrpSpPr>
         <p:cNvPr id="1" name=""/>
